--- a/발표자료/2차/김양구이2차.pptx
+++ b/발표자료/2차/김양구이2차.pptx
@@ -6,16 +6,11 @@
   </p:sldMasterIdLst>
   <p:sldIdLst>
     <p:sldId id="256" r:id="rId2"/>
-    <p:sldId id="257" r:id="rId3"/>
-    <p:sldId id="258" r:id="rId4"/>
-    <p:sldId id="259" r:id="rId5"/>
-    <p:sldId id="260" r:id="rId6"/>
-    <p:sldId id="261" r:id="rId7"/>
-    <p:sldId id="262" r:id="rId8"/>
-    <p:sldId id="263" r:id="rId9"/>
-    <p:sldId id="264" r:id="rId10"/>
-    <p:sldId id="265" r:id="rId11"/>
-    <p:sldId id="266" r:id="rId12"/>
+    <p:sldId id="258" r:id="rId3"/>
+    <p:sldId id="267" r:id="rId4"/>
+    <p:sldId id="271" r:id="rId5"/>
+    <p:sldId id="269" r:id="rId6"/>
+    <p:sldId id="270" r:id="rId7"/>
   </p:sldIdLst>
   <p:sldSz cx="12192000" cy="6858000"/>
   <p:notesSz cx="6858000" cy="9144000"/>
@@ -253,7 +248,7 @@
           <a:p>
             <a:fld id="{0E6AC0A9-4544-481A-9291-29D7A8EEA56C}" type="datetimeFigureOut">
               <a:rPr lang="ko-KR" altLang="en-US" smtClean="0"/>
-              <a:t>2025-01-21</a:t>
+              <a:t>2025-01-23</a:t>
             </a:fld>
             <a:endParaRPr lang="ko-KR" altLang="en-US"/>
           </a:p>
@@ -423,7 +418,7 @@
           <a:p>
             <a:fld id="{0E6AC0A9-4544-481A-9291-29D7A8EEA56C}" type="datetimeFigureOut">
               <a:rPr lang="ko-KR" altLang="en-US" smtClean="0"/>
-              <a:t>2025-01-21</a:t>
+              <a:t>2025-01-23</a:t>
             </a:fld>
             <a:endParaRPr lang="ko-KR" altLang="en-US"/>
           </a:p>
@@ -603,7 +598,7 @@
           <a:p>
             <a:fld id="{0E6AC0A9-4544-481A-9291-29D7A8EEA56C}" type="datetimeFigureOut">
               <a:rPr lang="ko-KR" altLang="en-US" smtClean="0"/>
-              <a:t>2025-01-21</a:t>
+              <a:t>2025-01-23</a:t>
             </a:fld>
             <a:endParaRPr lang="ko-KR" altLang="en-US"/>
           </a:p>
@@ -773,7 +768,7 @@
           <a:p>
             <a:fld id="{0E6AC0A9-4544-481A-9291-29D7A8EEA56C}" type="datetimeFigureOut">
               <a:rPr lang="ko-KR" altLang="en-US" smtClean="0"/>
-              <a:t>2025-01-21</a:t>
+              <a:t>2025-01-23</a:t>
             </a:fld>
             <a:endParaRPr lang="ko-KR" altLang="en-US"/>
           </a:p>
@@ -1019,7 +1014,7 @@
           <a:p>
             <a:fld id="{0E6AC0A9-4544-481A-9291-29D7A8EEA56C}" type="datetimeFigureOut">
               <a:rPr lang="ko-KR" altLang="en-US" smtClean="0"/>
-              <a:t>2025-01-21</a:t>
+              <a:t>2025-01-23</a:t>
             </a:fld>
             <a:endParaRPr lang="ko-KR" altLang="en-US"/>
           </a:p>
@@ -1251,7 +1246,7 @@
           <a:p>
             <a:fld id="{0E6AC0A9-4544-481A-9291-29D7A8EEA56C}" type="datetimeFigureOut">
               <a:rPr lang="ko-KR" altLang="en-US" smtClean="0"/>
-              <a:t>2025-01-21</a:t>
+              <a:t>2025-01-23</a:t>
             </a:fld>
             <a:endParaRPr lang="ko-KR" altLang="en-US"/>
           </a:p>
@@ -1618,7 +1613,7 @@
           <a:p>
             <a:fld id="{0E6AC0A9-4544-481A-9291-29D7A8EEA56C}" type="datetimeFigureOut">
               <a:rPr lang="ko-KR" altLang="en-US" smtClean="0"/>
-              <a:t>2025-01-21</a:t>
+              <a:t>2025-01-23</a:t>
             </a:fld>
             <a:endParaRPr lang="ko-KR" altLang="en-US"/>
           </a:p>
@@ -1736,7 +1731,7 @@
           <a:p>
             <a:fld id="{0E6AC0A9-4544-481A-9291-29D7A8EEA56C}" type="datetimeFigureOut">
               <a:rPr lang="ko-KR" altLang="en-US" smtClean="0"/>
-              <a:t>2025-01-21</a:t>
+              <a:t>2025-01-23</a:t>
             </a:fld>
             <a:endParaRPr lang="ko-KR" altLang="en-US"/>
           </a:p>
@@ -1831,7 +1826,7 @@
           <a:p>
             <a:fld id="{0E6AC0A9-4544-481A-9291-29D7A8EEA56C}" type="datetimeFigureOut">
               <a:rPr lang="ko-KR" altLang="en-US" smtClean="0"/>
-              <a:t>2025-01-21</a:t>
+              <a:t>2025-01-23</a:t>
             </a:fld>
             <a:endParaRPr lang="ko-KR" altLang="en-US"/>
           </a:p>
@@ -2108,7 +2103,7 @@
           <a:p>
             <a:fld id="{0E6AC0A9-4544-481A-9291-29D7A8EEA56C}" type="datetimeFigureOut">
               <a:rPr lang="ko-KR" altLang="en-US" smtClean="0"/>
-              <a:t>2025-01-21</a:t>
+              <a:t>2025-01-23</a:t>
             </a:fld>
             <a:endParaRPr lang="ko-KR" altLang="en-US"/>
           </a:p>
@@ -2361,7 +2356,7 @@
           <a:p>
             <a:fld id="{0E6AC0A9-4544-481A-9291-29D7A8EEA56C}" type="datetimeFigureOut">
               <a:rPr lang="ko-KR" altLang="en-US" smtClean="0"/>
-              <a:t>2025-01-21</a:t>
+              <a:t>2025-01-23</a:t>
             </a:fld>
             <a:endParaRPr lang="ko-KR" altLang="en-US"/>
           </a:p>
@@ -2574,7 +2569,7 @@
           <a:p>
             <a:fld id="{0E6AC0A9-4544-481A-9291-29D7A8EEA56C}" type="datetimeFigureOut">
               <a:rPr lang="ko-KR" altLang="en-US" smtClean="0"/>
-              <a:t>2025-01-21</a:t>
+              <a:t>2025-01-23</a:t>
             </a:fld>
             <a:endParaRPr lang="ko-KR" altLang="en-US"/>
           </a:p>
@@ -3022,7 +3017,7 @@
 </p:sld>
 </file>
 
-<file path=ppt/slides/slide10.xml><?xml version="1.0" encoding="utf-8"?>
+<file path=ppt/slides/slide2.xml><?xml version="1.0" encoding="utf-8"?>
 <p:sld xmlns:a="http://schemas.openxmlformats.org/drawingml/2006/main" xmlns:r="http://schemas.openxmlformats.org/officeDocument/2006/relationships" xmlns:p="http://schemas.openxmlformats.org/presentationml/2006/main">
   <p:cSld>
     <p:spTree>
@@ -3041,67 +3036,7 @@
       </p:grpSpPr>
       <p:pic>
         <p:nvPicPr>
-          <p:cNvPr id="3" name="그림 2"/>
-          <p:cNvPicPr>
-            <a:picLocks noChangeAspect="1"/>
-          </p:cNvPicPr>
-          <p:nvPr/>
-        </p:nvPicPr>
-        <p:blipFill>
-          <a:blip r:embed="rId2" cstate="print">
-            <a:extLst>
-              <a:ext uri="{28A0092B-C50C-407E-A947-70E740481C1C}">
-                <a14:useLocalDpi xmlns:a14="http://schemas.microsoft.com/office/drawing/2010/main" val="0"/>
-              </a:ext>
-            </a:extLst>
-          </a:blip>
-          <a:stretch>
-            <a:fillRect/>
-          </a:stretch>
-        </p:blipFill>
-        <p:spPr>
-          <a:xfrm>
-            <a:off x="1228" y="0"/>
-            <a:ext cx="12190771" cy="6858690"/>
-          </a:xfrm>
-          <a:prstGeom prst="rect">
-            <a:avLst/>
-          </a:prstGeom>
-        </p:spPr>
-      </p:pic>
-    </p:spTree>
-    <p:extLst>
-      <p:ext uri="{BB962C8B-B14F-4D97-AF65-F5344CB8AC3E}">
-        <p14:creationId xmlns:p14="http://schemas.microsoft.com/office/powerpoint/2010/main" val="3791017038"/>
-      </p:ext>
-    </p:extLst>
-  </p:cSld>
-  <p:clrMapOvr>
-    <a:masterClrMapping/>
-  </p:clrMapOvr>
-</p:sld>
-</file>
-
-<file path=ppt/slides/slide11.xml><?xml version="1.0" encoding="utf-8"?>
-<p:sld xmlns:a="http://schemas.openxmlformats.org/drawingml/2006/main" xmlns:r="http://schemas.openxmlformats.org/officeDocument/2006/relationships" xmlns:p="http://schemas.openxmlformats.org/presentationml/2006/main">
-  <p:cSld>
-    <p:spTree>
-      <p:nvGrpSpPr>
-        <p:cNvPr id="1" name=""/>
-        <p:cNvGrpSpPr/>
-        <p:nvPr/>
-      </p:nvGrpSpPr>
-      <p:grpSpPr>
-        <a:xfrm>
-          <a:off x="0" y="0"/>
-          <a:ext cx="0" cy="0"/>
-          <a:chOff x="0" y="0"/>
-          <a:chExt cx="0" cy="0"/>
-        </a:xfrm>
-      </p:grpSpPr>
-      <p:pic>
-        <p:nvPicPr>
-          <p:cNvPr id="5" name="그림 4"/>
+          <p:cNvPr id="4" name="그림 3"/>
           <p:cNvPicPr>
             <a:picLocks noChangeAspect="1"/>
           </p:cNvPicPr>
@@ -3122,7 +3057,7 @@
         <p:spPr>
           <a:xfrm>
             <a:off x="1229" y="0"/>
-            <a:ext cx="12189544" cy="6858000"/>
+            <a:ext cx="12190770" cy="6858690"/>
           </a:xfrm>
           <a:prstGeom prst="rect">
             <a:avLst/>
@@ -3132,67 +3067,7 @@
     </p:spTree>
     <p:extLst>
       <p:ext uri="{BB962C8B-B14F-4D97-AF65-F5344CB8AC3E}">
-        <p14:creationId xmlns:p14="http://schemas.microsoft.com/office/powerpoint/2010/main" val="2447406547"/>
-      </p:ext>
-    </p:extLst>
-  </p:cSld>
-  <p:clrMapOvr>
-    <a:masterClrMapping/>
-  </p:clrMapOvr>
-</p:sld>
-</file>
-
-<file path=ppt/slides/slide2.xml><?xml version="1.0" encoding="utf-8"?>
-<p:sld xmlns:a="http://schemas.openxmlformats.org/drawingml/2006/main" xmlns:r="http://schemas.openxmlformats.org/officeDocument/2006/relationships" xmlns:p="http://schemas.openxmlformats.org/presentationml/2006/main">
-  <p:cSld>
-    <p:spTree>
-      <p:nvGrpSpPr>
-        <p:cNvPr id="1" name=""/>
-        <p:cNvGrpSpPr/>
-        <p:nvPr/>
-      </p:nvGrpSpPr>
-      <p:grpSpPr>
-        <a:xfrm>
-          <a:off x="0" y="0"/>
-          <a:ext cx="0" cy="0"/>
-          <a:chOff x="0" y="0"/>
-          <a:chExt cx="0" cy="0"/>
-        </a:xfrm>
-      </p:grpSpPr>
-      <p:pic>
-        <p:nvPicPr>
-          <p:cNvPr id="2" name="그림 1"/>
-          <p:cNvPicPr>
-            <a:picLocks noChangeAspect="1"/>
-          </p:cNvPicPr>
-          <p:nvPr/>
-        </p:nvPicPr>
-        <p:blipFill>
-          <a:blip r:embed="rId2" cstate="print">
-            <a:extLst>
-              <a:ext uri="{28A0092B-C50C-407E-A947-70E740481C1C}">
-                <a14:useLocalDpi xmlns:a14="http://schemas.microsoft.com/office/drawing/2010/main" val="0"/>
-              </a:ext>
-            </a:extLst>
-          </a:blip>
-          <a:stretch>
-            <a:fillRect/>
-          </a:stretch>
-        </p:blipFill>
-        <p:spPr>
-          <a:xfrm>
-            <a:off x="1229" y="0"/>
-            <a:ext cx="12189544" cy="6858000"/>
-          </a:xfrm>
-          <a:prstGeom prst="rect">
-            <a:avLst/>
-          </a:prstGeom>
-        </p:spPr>
-      </p:pic>
-    </p:spTree>
-    <p:extLst>
-      <p:ext uri="{BB962C8B-B14F-4D97-AF65-F5344CB8AC3E}">
-        <p14:creationId xmlns:p14="http://schemas.microsoft.com/office/powerpoint/2010/main" val="1741289408"/>
+        <p14:creationId xmlns:p14="http://schemas.microsoft.com/office/powerpoint/2010/main" val="3882306440"/>
       </p:ext>
     </p:extLst>
   </p:cSld>
@@ -3252,7 +3127,7 @@
     </p:spTree>
     <p:extLst>
       <p:ext uri="{BB962C8B-B14F-4D97-AF65-F5344CB8AC3E}">
-        <p14:creationId xmlns:p14="http://schemas.microsoft.com/office/powerpoint/2010/main" val="3882306440"/>
+        <p14:creationId xmlns:p14="http://schemas.microsoft.com/office/powerpoint/2010/main" val="893204679"/>
       </p:ext>
     </p:extLst>
   </p:cSld>
@@ -3263,6 +3138,66 @@
 </file>
 
 <file path=ppt/slides/slide4.xml><?xml version="1.0" encoding="utf-8"?>
+<p:sld xmlns:a="http://schemas.openxmlformats.org/drawingml/2006/main" xmlns:r="http://schemas.openxmlformats.org/officeDocument/2006/relationships" xmlns:p="http://schemas.openxmlformats.org/presentationml/2006/main">
+  <p:cSld>
+    <p:spTree>
+      <p:nvGrpSpPr>
+        <p:cNvPr id="1" name=""/>
+        <p:cNvGrpSpPr/>
+        <p:nvPr/>
+      </p:nvGrpSpPr>
+      <p:grpSpPr>
+        <a:xfrm>
+          <a:off x="0" y="0"/>
+          <a:ext cx="0" cy="0"/>
+          <a:chOff x="0" y="0"/>
+          <a:chExt cx="0" cy="0"/>
+        </a:xfrm>
+      </p:grpSpPr>
+      <p:pic>
+        <p:nvPicPr>
+          <p:cNvPr id="2" name="그림 1"/>
+          <p:cNvPicPr>
+            <a:picLocks noChangeAspect="1"/>
+          </p:cNvPicPr>
+          <p:nvPr/>
+        </p:nvPicPr>
+        <p:blipFill>
+          <a:blip r:embed="rId2" cstate="print">
+            <a:extLst>
+              <a:ext uri="{28A0092B-C50C-407E-A947-70E740481C1C}">
+                <a14:useLocalDpi xmlns:a14="http://schemas.microsoft.com/office/drawing/2010/main" val="0"/>
+              </a:ext>
+            </a:extLst>
+          </a:blip>
+          <a:stretch>
+            <a:fillRect/>
+          </a:stretch>
+        </p:blipFill>
+        <p:spPr>
+          <a:xfrm>
+            <a:off x="1229" y="0"/>
+            <a:ext cx="12189544" cy="6858000"/>
+          </a:xfrm>
+          <a:prstGeom prst="rect">
+            <a:avLst/>
+          </a:prstGeom>
+        </p:spPr>
+      </p:pic>
+    </p:spTree>
+    <p:extLst>
+      <p:ext uri="{BB962C8B-B14F-4D97-AF65-F5344CB8AC3E}">
+        <p14:creationId xmlns:p14="http://schemas.microsoft.com/office/powerpoint/2010/main" val="1622654113"/>
+      </p:ext>
+    </p:extLst>
+  </p:cSld>
+  <p:clrMapOvr>
+    <a:masterClrMapping/>
+  </p:clrMapOvr>
+</p:sld>
+</file>
+
+<file path=ppt/slides/slide5.xml><?xml version="1.0" encoding="utf-8"?>
 <p:sld xmlns:a="http://schemas.openxmlformats.org/drawingml/2006/main" xmlns:r="http://schemas.openxmlformats.org/officeDocument/2006/relationships" xmlns:p="http://schemas.openxmlformats.org/presentationml/2006/main">
   <p:cSld>
     <p:spTree>
@@ -3312,7 +3247,7 @@
     </p:spTree>
     <p:extLst>
       <p:ext uri="{BB962C8B-B14F-4D97-AF65-F5344CB8AC3E}">
-        <p14:creationId xmlns:p14="http://schemas.microsoft.com/office/powerpoint/2010/main" val="1880508944"/>
+        <p14:creationId xmlns:p14="http://schemas.microsoft.com/office/powerpoint/2010/main" val="3357027352"/>
       </p:ext>
     </p:extLst>
   </p:cSld>
@@ -3322,7 +3257,7 @@
 </p:sld>
 </file>
 
-<file path=ppt/slides/slide5.xml><?xml version="1.0" encoding="utf-8"?>
+<file path=ppt/slides/slide6.xml><?xml version="1.0" encoding="utf-8"?>
 <p:sld xmlns:a="http://schemas.openxmlformats.org/drawingml/2006/main" xmlns:r="http://schemas.openxmlformats.org/officeDocument/2006/relationships" xmlns:p="http://schemas.openxmlformats.org/presentationml/2006/main">
   <p:cSld>
     <p:spTree>
@@ -3341,7 +3276,7 @@
       </p:grpSpPr>
       <p:pic>
         <p:nvPicPr>
-          <p:cNvPr id="3" name="그림 2"/>
+          <p:cNvPr id="4" name="그림 3"/>
           <p:cNvPicPr>
             <a:picLocks noChangeAspect="1"/>
           </p:cNvPicPr>
@@ -3372,247 +3307,7 @@
     </p:spTree>
     <p:extLst>
       <p:ext uri="{BB962C8B-B14F-4D97-AF65-F5344CB8AC3E}">
-        <p14:creationId xmlns:p14="http://schemas.microsoft.com/office/powerpoint/2010/main" val="4257998503"/>
-      </p:ext>
-    </p:extLst>
-  </p:cSld>
-  <p:clrMapOvr>
-    <a:masterClrMapping/>
-  </p:clrMapOvr>
-</p:sld>
-</file>
-
-<file path=ppt/slides/slide6.xml><?xml version="1.0" encoding="utf-8"?>
-<p:sld xmlns:a="http://schemas.openxmlformats.org/drawingml/2006/main" xmlns:r="http://schemas.openxmlformats.org/officeDocument/2006/relationships" xmlns:p="http://schemas.openxmlformats.org/presentationml/2006/main">
-  <p:cSld>
-    <p:spTree>
-      <p:nvGrpSpPr>
-        <p:cNvPr id="1" name=""/>
-        <p:cNvGrpSpPr/>
-        <p:nvPr/>
-      </p:nvGrpSpPr>
-      <p:grpSpPr>
-        <a:xfrm>
-          <a:off x="0" y="0"/>
-          <a:ext cx="0" cy="0"/>
-          <a:chOff x="0" y="0"/>
-          <a:chExt cx="0" cy="0"/>
-        </a:xfrm>
-      </p:grpSpPr>
-      <p:pic>
-        <p:nvPicPr>
-          <p:cNvPr id="2" name="그림 1"/>
-          <p:cNvPicPr>
-            <a:picLocks noChangeAspect="1"/>
-          </p:cNvPicPr>
-          <p:nvPr/>
-        </p:nvPicPr>
-        <p:blipFill>
-          <a:blip r:embed="rId2" cstate="print">
-            <a:extLst>
-              <a:ext uri="{28A0092B-C50C-407E-A947-70E740481C1C}">
-                <a14:useLocalDpi xmlns:a14="http://schemas.microsoft.com/office/drawing/2010/main" val="0"/>
-              </a:ext>
-            </a:extLst>
-          </a:blip>
-          <a:stretch>
-            <a:fillRect/>
-          </a:stretch>
-        </p:blipFill>
-        <p:spPr>
-          <a:xfrm>
-            <a:off x="1229" y="0"/>
-            <a:ext cx="12189544" cy="6858000"/>
-          </a:xfrm>
-          <a:prstGeom prst="rect">
-            <a:avLst/>
-          </a:prstGeom>
-        </p:spPr>
-      </p:pic>
-    </p:spTree>
-    <p:extLst>
-      <p:ext uri="{BB962C8B-B14F-4D97-AF65-F5344CB8AC3E}">
-        <p14:creationId xmlns:p14="http://schemas.microsoft.com/office/powerpoint/2010/main" val="431593140"/>
-      </p:ext>
-    </p:extLst>
-  </p:cSld>
-  <p:clrMapOvr>
-    <a:masterClrMapping/>
-  </p:clrMapOvr>
-</p:sld>
-</file>
-
-<file path=ppt/slides/slide7.xml><?xml version="1.0" encoding="utf-8"?>
-<p:sld xmlns:a="http://schemas.openxmlformats.org/drawingml/2006/main" xmlns:r="http://schemas.openxmlformats.org/officeDocument/2006/relationships" xmlns:p="http://schemas.openxmlformats.org/presentationml/2006/main">
-  <p:cSld>
-    <p:spTree>
-      <p:nvGrpSpPr>
-        <p:cNvPr id="1" name=""/>
-        <p:cNvGrpSpPr/>
-        <p:nvPr/>
-      </p:nvGrpSpPr>
-      <p:grpSpPr>
-        <a:xfrm>
-          <a:off x="0" y="0"/>
-          <a:ext cx="0" cy="0"/>
-          <a:chOff x="0" y="0"/>
-          <a:chExt cx="0" cy="0"/>
-        </a:xfrm>
-      </p:grpSpPr>
-      <p:pic>
-        <p:nvPicPr>
-          <p:cNvPr id="2" name="그림 1"/>
-          <p:cNvPicPr>
-            <a:picLocks noChangeAspect="1"/>
-          </p:cNvPicPr>
-          <p:nvPr/>
-        </p:nvPicPr>
-        <p:blipFill>
-          <a:blip r:embed="rId2" cstate="print">
-            <a:extLst>
-              <a:ext uri="{28A0092B-C50C-407E-A947-70E740481C1C}">
-                <a14:useLocalDpi xmlns:a14="http://schemas.microsoft.com/office/drawing/2010/main" val="0"/>
-              </a:ext>
-            </a:extLst>
-          </a:blip>
-          <a:stretch>
-            <a:fillRect/>
-          </a:stretch>
-        </p:blipFill>
-        <p:spPr>
-          <a:xfrm>
-            <a:off x="1228" y="0"/>
-            <a:ext cx="12190771" cy="6858690"/>
-          </a:xfrm>
-          <a:prstGeom prst="rect">
-            <a:avLst/>
-          </a:prstGeom>
-        </p:spPr>
-      </p:pic>
-    </p:spTree>
-    <p:extLst>
-      <p:ext uri="{BB962C8B-B14F-4D97-AF65-F5344CB8AC3E}">
-        <p14:creationId xmlns:p14="http://schemas.microsoft.com/office/powerpoint/2010/main" val="2805408334"/>
-      </p:ext>
-    </p:extLst>
-  </p:cSld>
-  <p:clrMapOvr>
-    <a:masterClrMapping/>
-  </p:clrMapOvr>
-</p:sld>
-</file>
-
-<file path=ppt/slides/slide8.xml><?xml version="1.0" encoding="utf-8"?>
-<p:sld xmlns:a="http://schemas.openxmlformats.org/drawingml/2006/main" xmlns:r="http://schemas.openxmlformats.org/officeDocument/2006/relationships" xmlns:p="http://schemas.openxmlformats.org/presentationml/2006/main">
-  <p:cSld>
-    <p:spTree>
-      <p:nvGrpSpPr>
-        <p:cNvPr id="1" name=""/>
-        <p:cNvGrpSpPr/>
-        <p:nvPr/>
-      </p:nvGrpSpPr>
-      <p:grpSpPr>
-        <a:xfrm>
-          <a:off x="0" y="0"/>
-          <a:ext cx="0" cy="0"/>
-          <a:chOff x="0" y="0"/>
-          <a:chExt cx="0" cy="0"/>
-        </a:xfrm>
-      </p:grpSpPr>
-      <p:pic>
-        <p:nvPicPr>
-          <p:cNvPr id="2" name="그림 1"/>
-          <p:cNvPicPr>
-            <a:picLocks noChangeAspect="1"/>
-          </p:cNvPicPr>
-          <p:nvPr/>
-        </p:nvPicPr>
-        <p:blipFill>
-          <a:blip r:embed="rId2" cstate="print">
-            <a:extLst>
-              <a:ext uri="{28A0092B-C50C-407E-A947-70E740481C1C}">
-                <a14:useLocalDpi xmlns:a14="http://schemas.microsoft.com/office/drawing/2010/main" val="0"/>
-              </a:ext>
-            </a:extLst>
-          </a:blip>
-          <a:stretch>
-            <a:fillRect/>
-          </a:stretch>
-        </p:blipFill>
-        <p:spPr>
-          <a:xfrm>
-            <a:off x="1229" y="0"/>
-            <a:ext cx="12189544" cy="6858000"/>
-          </a:xfrm>
-          <a:prstGeom prst="rect">
-            <a:avLst/>
-          </a:prstGeom>
-        </p:spPr>
-      </p:pic>
-    </p:spTree>
-    <p:extLst>
-      <p:ext uri="{BB962C8B-B14F-4D97-AF65-F5344CB8AC3E}">
-        <p14:creationId xmlns:p14="http://schemas.microsoft.com/office/powerpoint/2010/main" val="3395847235"/>
-      </p:ext>
-    </p:extLst>
-  </p:cSld>
-  <p:clrMapOvr>
-    <a:masterClrMapping/>
-  </p:clrMapOvr>
-</p:sld>
-</file>
-
-<file path=ppt/slides/slide9.xml><?xml version="1.0" encoding="utf-8"?>
-<p:sld xmlns:a="http://schemas.openxmlformats.org/drawingml/2006/main" xmlns:r="http://schemas.openxmlformats.org/officeDocument/2006/relationships" xmlns:p="http://schemas.openxmlformats.org/presentationml/2006/main">
-  <p:cSld>
-    <p:spTree>
-      <p:nvGrpSpPr>
-        <p:cNvPr id="1" name=""/>
-        <p:cNvGrpSpPr/>
-        <p:nvPr/>
-      </p:nvGrpSpPr>
-      <p:grpSpPr>
-        <a:xfrm>
-          <a:off x="0" y="0"/>
-          <a:ext cx="0" cy="0"/>
-          <a:chOff x="0" y="0"/>
-          <a:chExt cx="0" cy="0"/>
-        </a:xfrm>
-      </p:grpSpPr>
-      <p:pic>
-        <p:nvPicPr>
-          <p:cNvPr id="2" name="그림 1"/>
-          <p:cNvPicPr>
-            <a:picLocks noChangeAspect="1"/>
-          </p:cNvPicPr>
-          <p:nvPr/>
-        </p:nvPicPr>
-        <p:blipFill>
-          <a:blip r:embed="rId2" cstate="print">
-            <a:extLst>
-              <a:ext uri="{28A0092B-C50C-407E-A947-70E740481C1C}">
-                <a14:useLocalDpi xmlns:a14="http://schemas.microsoft.com/office/drawing/2010/main" val="0"/>
-              </a:ext>
-            </a:extLst>
-          </a:blip>
-          <a:stretch>
-            <a:fillRect/>
-          </a:stretch>
-        </p:blipFill>
-        <p:spPr>
-          <a:xfrm>
-            <a:off x="1228" y="0"/>
-            <a:ext cx="12190771" cy="6858690"/>
-          </a:xfrm>
-          <a:prstGeom prst="rect">
-            <a:avLst/>
-          </a:prstGeom>
-        </p:spPr>
-      </p:pic>
-    </p:spTree>
-    <p:extLst>
-      <p:ext uri="{BB962C8B-B14F-4D97-AF65-F5344CB8AC3E}">
-        <p14:creationId xmlns:p14="http://schemas.microsoft.com/office/powerpoint/2010/main" val="726429346"/>
+        <p14:creationId xmlns:p14="http://schemas.microsoft.com/office/powerpoint/2010/main" val="2916543309"/>
       </p:ext>
     </p:extLst>
   </p:cSld>
